--- a/lectures/le11_assignment.pptx
+++ b/lectures/le11_assignment.pptx
@@ -3134,15 +3134,7 @@
             </a:pPr>
             <a:r>
               <a:rPr lang="en-US" dirty="0"/>
-              <a:t>Hold off handing in this assignment </a:t>
-            </a:r>
-            <a:r>
-              <a:rPr lang="mr-IN" dirty="0"/>
-              <a:t>–</a:t>
-            </a:r>
-            <a:r>
-              <a:rPr lang="en-US" dirty="0"/>
-              <a:t> we will hand in next week with GLMs (last week) and Mixed Models (next week). </a:t>
+              <a:t>Hand in this assignment with GLMs (last week) and make sure to include your results statement as a separate word doc uploaded to canvas. </a:t>
             </a:r>
           </a:p>
         </p:txBody>

--- a/lectures/le11_assignment.pptx
+++ b/lectures/le11_assignment.pptx
@@ -5,8 +5,8 @@
     <p:sldMasterId id="2147483648" r:id="rId1"/>
   </p:sldMasterIdLst>
   <p:sldIdLst>
-    <p:sldId id="258" r:id="rId2"/>
-    <p:sldId id="257" r:id="rId3"/>
+    <p:sldId id="257" r:id="rId2"/>
+    <p:sldId id="258" r:id="rId3"/>
   </p:sldIdLst>
   <p:sldSz cx="12192000" cy="6858000"/>
   <p:notesSz cx="6858000" cy="9144000"/>
@@ -242,7 +242,7 @@
           <a:p>
             <a:fld id="{272F3363-993E-4E40-AB86-43582E14989C}" type="datetimeFigureOut">
               <a:rPr lang="en-US" smtClean="0"/>
-              <a:t>4/11/19</a:t>
+              <a:t>4/16/20</a:t>
             </a:fld>
             <a:endParaRPr lang="en-US"/>
           </a:p>
@@ -410,7 +410,7 @@
           <a:p>
             <a:fld id="{272F3363-993E-4E40-AB86-43582E14989C}" type="datetimeFigureOut">
               <a:rPr lang="en-US" smtClean="0"/>
-              <a:t>4/11/19</a:t>
+              <a:t>4/16/20</a:t>
             </a:fld>
             <a:endParaRPr lang="en-US"/>
           </a:p>
@@ -588,7 +588,7 @@
           <a:p>
             <a:fld id="{272F3363-993E-4E40-AB86-43582E14989C}" type="datetimeFigureOut">
               <a:rPr lang="en-US" smtClean="0"/>
-              <a:t>4/11/19</a:t>
+              <a:t>4/16/20</a:t>
             </a:fld>
             <a:endParaRPr lang="en-US"/>
           </a:p>
@@ -756,7 +756,7 @@
           <a:p>
             <a:fld id="{272F3363-993E-4E40-AB86-43582E14989C}" type="datetimeFigureOut">
               <a:rPr lang="en-US" smtClean="0"/>
-              <a:t>4/11/19</a:t>
+              <a:t>4/16/20</a:t>
             </a:fld>
             <a:endParaRPr lang="en-US"/>
           </a:p>
@@ -1001,7 +1001,7 @@
           <a:p>
             <a:fld id="{272F3363-993E-4E40-AB86-43582E14989C}" type="datetimeFigureOut">
               <a:rPr lang="en-US" smtClean="0"/>
-              <a:t>4/11/19</a:t>
+              <a:t>4/16/20</a:t>
             </a:fld>
             <a:endParaRPr lang="en-US"/>
           </a:p>
@@ -1230,7 +1230,7 @@
           <a:p>
             <a:fld id="{272F3363-993E-4E40-AB86-43582E14989C}" type="datetimeFigureOut">
               <a:rPr lang="en-US" smtClean="0"/>
-              <a:t>4/11/19</a:t>
+              <a:t>4/16/20</a:t>
             </a:fld>
             <a:endParaRPr lang="en-US"/>
           </a:p>
@@ -1594,7 +1594,7 @@
           <a:p>
             <a:fld id="{272F3363-993E-4E40-AB86-43582E14989C}" type="datetimeFigureOut">
               <a:rPr lang="en-US" smtClean="0"/>
-              <a:t>4/11/19</a:t>
+              <a:t>4/16/20</a:t>
             </a:fld>
             <a:endParaRPr lang="en-US"/>
           </a:p>
@@ -1711,7 +1711,7 @@
           <a:p>
             <a:fld id="{272F3363-993E-4E40-AB86-43582E14989C}" type="datetimeFigureOut">
               <a:rPr lang="en-US" smtClean="0"/>
-              <a:t>4/11/19</a:t>
+              <a:t>4/16/20</a:t>
             </a:fld>
             <a:endParaRPr lang="en-US"/>
           </a:p>
@@ -1806,7 +1806,7 @@
           <a:p>
             <a:fld id="{272F3363-993E-4E40-AB86-43582E14989C}" type="datetimeFigureOut">
               <a:rPr lang="en-US" smtClean="0"/>
-              <a:t>4/11/19</a:t>
+              <a:t>4/16/20</a:t>
             </a:fld>
             <a:endParaRPr lang="en-US"/>
           </a:p>
@@ -2081,7 +2081,7 @@
           <a:p>
             <a:fld id="{272F3363-993E-4E40-AB86-43582E14989C}" type="datetimeFigureOut">
               <a:rPr lang="en-US" smtClean="0"/>
-              <a:t>4/11/19</a:t>
+              <a:t>4/16/20</a:t>
             </a:fld>
             <a:endParaRPr lang="en-US"/>
           </a:p>
@@ -2333,7 +2333,7 @@
           <a:p>
             <a:fld id="{272F3363-993E-4E40-AB86-43582E14989C}" type="datetimeFigureOut">
               <a:rPr lang="en-US" smtClean="0"/>
-              <a:t>4/11/19</a:t>
+              <a:t>4/16/20</a:t>
             </a:fld>
             <a:endParaRPr lang="en-US"/>
           </a:p>
@@ -2544,7 +2544,7 @@
           <a:p>
             <a:fld id="{272F3363-993E-4E40-AB86-43582E14989C}" type="datetimeFigureOut">
               <a:rPr lang="en-US" smtClean="0"/>
-              <a:t>4/11/19</a:t>
+              <a:t>4/16/20</a:t>
             </a:fld>
             <a:endParaRPr lang="en-US"/>
           </a:p>
@@ -2966,7 +2966,7 @@
           <a:p>
             <a:r>
               <a:rPr lang="en-US" dirty="0"/>
-              <a:t>Survey 	</a:t>
+              <a:t>Assignment</a:t>
             </a:r>
           </a:p>
         </p:txBody>
@@ -2981,23 +2981,99 @@
             <p:ph idx="1"/>
           </p:nvPr>
         </p:nvSpPr>
-        <p:spPr/>
-        <p:txBody>
-          <a:bodyPr/>
-          <a:lstStyle/>
-          <a:p>
+        <p:spPr>
+          <a:xfrm>
+            <a:off x="838200" y="1427967"/>
+            <a:ext cx="10515600" cy="4748996"/>
+          </a:xfrm>
+        </p:spPr>
+        <p:txBody>
+          <a:bodyPr>
+            <a:normAutofit fontScale="77500" lnSpcReduction="20000"/>
+          </a:bodyPr>
+          <a:lstStyle/>
+          <a:p>
+            <a:pPr marL="514350" indent="-514350">
+              <a:buAutoNum type="arabicPeriod"/>
+            </a:pPr>
             <a:r>
               <a:rPr lang="en-US" dirty="0"/>
-              <a:t>Please remember to take the survey</a:t>
-            </a:r>
-          </a:p>
-          <a:p>
+              <a:t>Use likelihood ratio tests and one other model selection approach to test at least 3 models of your data.</a:t>
+            </a:r>
+          </a:p>
+          <a:p>
+            <a:pPr lvl="1"/>
+            <a:r>
+              <a:rPr lang="en-US" dirty="0"/>
+              <a:t>The models can be LMs or GLMs that you have already tested.</a:t>
+            </a:r>
+          </a:p>
+          <a:p>
+            <a:pPr marL="514350" indent="-514350">
+              <a:buAutoNum type="arabicPeriod"/>
+            </a:pPr>
             <a:endParaRPr lang="en-US" dirty="0"/>
           </a:p>
           <a:p>
+            <a:pPr marL="514350" indent="-514350">
+              <a:buAutoNum type="arabicPeriod"/>
+            </a:pPr>
             <a:r>
               <a:rPr lang="en-US" dirty="0"/>
-              <a:t>You can find the link in the “assignments” section</a:t>
+              <a:t>Explain what the results are telling you for each approach.</a:t>
+            </a:r>
+          </a:p>
+          <a:p>
+            <a:pPr marL="514350" indent="-514350">
+              <a:buAutoNum type="arabicPeriod"/>
+            </a:pPr>
+            <a:endParaRPr lang="en-US" dirty="0"/>
+          </a:p>
+          <a:p>
+            <a:pPr marL="514350" indent="-514350">
+              <a:buAutoNum type="arabicPeriod"/>
+            </a:pPr>
+            <a:r>
+              <a:rPr lang="en-US" dirty="0"/>
+              <a:t>Include a synthesis statement on how the output of each approach is similar or different in your code. Remember to update your README and annotate your code.</a:t>
+            </a:r>
+            <a:br>
+              <a:rPr lang="en-US" dirty="0"/>
+            </a:br>
+            <a:endParaRPr lang="en-US" dirty="0"/>
+          </a:p>
+          <a:p>
+            <a:pPr marL="0" indent="0">
+              <a:buNone/>
+            </a:pPr>
+            <a:r>
+              <a:rPr lang="en-US" dirty="0"/>
+              <a:t>Very advanced:</a:t>
+            </a:r>
+          </a:p>
+          <a:p>
+            <a:pPr marL="0" indent="0">
+              <a:buNone/>
+            </a:pPr>
+            <a:r>
+              <a:rPr lang="en-US" dirty="0"/>
+              <a:t>4. Use 5 fold cross validation to test predictive accuracy of your model. </a:t>
+            </a:r>
+            <a:br>
+              <a:rPr lang="en-US" dirty="0"/>
+            </a:br>
+            <a:r>
+              <a:rPr lang="en-US" dirty="0"/>
+              <a:t> </a:t>
+            </a:r>
+          </a:p>
+          <a:p>
+            <a:pPr marL="0" indent="0">
+              <a:buNone/>
+            </a:pPr>
+            <a:r>
+              <a:rPr lang="en-US" dirty="0"/>
+              <a:t>Hand in this assignment with GLMs (last week) and make sure to include your results statement as a separate word doc uploaded to canvas. </a:t>
             </a:r>
           </a:p>
         </p:txBody>
@@ -3005,7 +3081,7 @@
     </p:spTree>
     <p:extLst>
       <p:ext uri="{BB962C8B-B14F-4D97-AF65-F5344CB8AC3E}">
-        <p14:creationId xmlns:p14="http://schemas.microsoft.com/office/powerpoint/2010/main" val="1661659368"/>
+        <p14:creationId xmlns:p14="http://schemas.microsoft.com/office/powerpoint/2010/main" val="1395082030"/>
       </p:ext>
     </p:extLst>
   </p:cSld>
@@ -3049,7 +3125,7 @@
           <a:p>
             <a:r>
               <a:rPr lang="en-US" dirty="0"/>
-              <a:t>Assignment</a:t>
+              <a:t>Survey 	</a:t>
             </a:r>
           </a:p>
         </p:txBody>
@@ -3064,77 +3140,23 @@
             <p:ph idx="1"/>
           </p:nvPr>
         </p:nvSpPr>
-        <p:spPr>
-          <a:xfrm>
-            <a:off x="838200" y="1427967"/>
-            <a:ext cx="10515600" cy="4748996"/>
-          </a:xfrm>
-        </p:spPr>
-        <p:txBody>
-          <a:bodyPr>
-            <a:normAutofit fontScale="92500" lnSpcReduction="10000"/>
-          </a:bodyPr>
-          <a:lstStyle/>
-          <a:p>
-            <a:pPr marL="514350" indent="-514350">
-              <a:buAutoNum type="arabicPeriod"/>
-            </a:pPr>
+        <p:spPr/>
+        <p:txBody>
+          <a:bodyPr/>
+          <a:lstStyle/>
+          <a:p>
             <a:r>
               <a:rPr lang="en-US" dirty="0"/>
-              <a:t>Use likelihood ratio tests and one other model selection approach to test at least 3 models of your data.</a:t>
-            </a:r>
-          </a:p>
-          <a:p>
-            <a:pPr lvl="1"/>
+              <a:t>Please remember to take the survey</a:t>
+            </a:r>
+          </a:p>
+          <a:p>
+            <a:endParaRPr lang="en-US" dirty="0"/>
+          </a:p>
+          <a:p>
             <a:r>
               <a:rPr lang="en-US" dirty="0"/>
-              <a:t>The models can be LMs or GLMs that you have already tested.</a:t>
-            </a:r>
-          </a:p>
-          <a:p>
-            <a:pPr marL="514350" indent="-514350">
-              <a:buAutoNum type="arabicPeriod"/>
-            </a:pPr>
-            <a:endParaRPr lang="en-US" dirty="0"/>
-          </a:p>
-          <a:p>
-            <a:pPr marL="514350" indent="-514350">
-              <a:buAutoNum type="arabicPeriod"/>
-            </a:pPr>
-            <a:r>
-              <a:rPr lang="en-US" dirty="0"/>
-              <a:t>Explain what the results are telling you for each approach.</a:t>
-            </a:r>
-          </a:p>
-          <a:p>
-            <a:pPr marL="514350" indent="-514350">
-              <a:buAutoNum type="arabicPeriod"/>
-            </a:pPr>
-            <a:endParaRPr lang="en-US" dirty="0"/>
-          </a:p>
-          <a:p>
-            <a:pPr marL="514350" indent="-514350">
-              <a:buAutoNum type="arabicPeriod"/>
-            </a:pPr>
-            <a:r>
-              <a:rPr lang="en-US" dirty="0"/>
-              <a:t>Include a synthesis statement on how the output of each approach is similar or different in your code. Remember to update your README and annotate your code.</a:t>
-            </a:r>
-            <a:br>
-              <a:rPr lang="en-US" dirty="0"/>
-            </a:br>
-            <a:r>
-              <a:rPr lang="en-US" dirty="0"/>
-              <a:t> </a:t>
-            </a:r>
-          </a:p>
-          <a:p>
-            <a:pPr marL="0" indent="0">
-              <a:buNone/>
-            </a:pPr>
-            <a:r>
-              <a:rPr lang="en-US" dirty="0"/>
-              <a:t>Hand in this assignment with GLMs (last week) and make sure to include your results statement as a separate word doc uploaded to canvas. </a:t>
+              <a:t>You can find the link in the “assignments” section</a:t>
             </a:r>
           </a:p>
         </p:txBody>
@@ -3142,7 +3164,7 @@
     </p:spTree>
     <p:extLst>
       <p:ext uri="{BB962C8B-B14F-4D97-AF65-F5344CB8AC3E}">
-        <p14:creationId xmlns:p14="http://schemas.microsoft.com/office/powerpoint/2010/main" val="1395082030"/>
+        <p14:creationId xmlns:p14="http://schemas.microsoft.com/office/powerpoint/2010/main" val="1661659368"/>
       </p:ext>
     </p:extLst>
   </p:cSld>
